--- a/Hindernislauf/Hindernislauf.pptx
+++ b/Hindernislauf/Hindernislauf.pptx
@@ -201,7 +201,7 @@
           <a:p>
             <a:fld id="{DD7A25D8-F173-4133-85F8-CB962D678EB5}" type="datetimeFigureOut">
               <a:rPr lang="de-DE" smtClean="0"/>
-              <a:t>31.01.2019</a:t>
+              <a:t>06.12.2019</a:t>
             </a:fld>
             <a:endParaRPr lang="de-DE"/>
           </a:p>
@@ -265,38 +265,37 @@
           <a:p>
             <a:pPr lvl="0"/>
             <a:r>
-              <a:rPr lang="de-DE" smtClean="0"/>
+              <a:rPr lang="de-DE"/>
               <a:t>Formatvorlagen des Textmasters bearbeiten</a:t>
             </a:r>
           </a:p>
           <a:p>
             <a:pPr lvl="1"/>
             <a:r>
-              <a:rPr lang="de-DE" smtClean="0"/>
+              <a:rPr lang="de-DE"/>
               <a:t>Zweite Ebene</a:t>
             </a:r>
           </a:p>
           <a:p>
             <a:pPr lvl="2"/>
             <a:r>
-              <a:rPr lang="de-DE" smtClean="0"/>
+              <a:rPr lang="de-DE"/>
               <a:t>Dritte Ebene</a:t>
             </a:r>
           </a:p>
           <a:p>
             <a:pPr lvl="3"/>
             <a:r>
-              <a:rPr lang="de-DE" smtClean="0"/>
+              <a:rPr lang="de-DE"/>
               <a:t>Vierte Ebene</a:t>
             </a:r>
           </a:p>
           <a:p>
             <a:pPr lvl="4"/>
             <a:r>
-              <a:rPr lang="de-DE" smtClean="0"/>
+              <a:rPr lang="de-DE"/>
               <a:t>Fünfte Ebene</a:t>
             </a:r>
-            <a:endParaRPr lang="de-DE"/>
           </a:p>
         </p:txBody>
       </p:sp>
@@ -511,7 +510,7 @@
           </a:lstStyle>
           <a:p>
             <a:r>
-              <a:rPr lang="de-DE" smtClean="0"/>
+              <a:rPr lang="de-DE"/>
               <a:t>Titelmasterformat durch Klicken bearbeiten</a:t>
             </a:r>
             <a:endParaRPr lang="en-US" dirty="0"/>
@@ -576,7 +575,7 @@
           </a:lstStyle>
           <a:p>
             <a:r>
-              <a:rPr lang="de-DE" smtClean="0"/>
+              <a:rPr lang="de-DE"/>
               <a:t>Formatvorlage des Untertitelmasters durch Klicken bearbeiten</a:t>
             </a:r>
             <a:endParaRPr lang="en-US" dirty="0"/>
@@ -600,7 +599,7 @@
           <a:p>
             <a:fld id="{FC9269F9-6F79-4414-A84E-D81C6C443C37}" type="datetimeFigureOut">
               <a:rPr lang="de-DE" smtClean="0"/>
-              <a:t>31.01.2019</a:t>
+              <a:t>06.12.2019</a:t>
             </a:fld>
             <a:endParaRPr lang="de-DE"/>
           </a:p>
@@ -658,13 +657,6 @@
   <p:clrMapOvr>
     <a:masterClrMapping/>
   </p:clrMapOvr>
-  <p:timing>
-    <p:tnLst>
-      <p:par>
-        <p:cTn id="1" dur="indefinite" restart="never" nodeType="tmRoot"/>
-      </p:par>
-    </p:tnLst>
-  </p:timing>
 </p:sldLayout>
 </file>
 
@@ -807,7 +799,7 @@
           </a:lstStyle>
           <a:p>
             <a:r>
-              <a:rPr lang="de-DE" dirty="0" smtClean="0"/>
+              <a:rPr lang="de-DE" dirty="0"/>
               <a:t>Titelmasterformat durch Klicken bearbeiten</a:t>
             </a:r>
             <a:endParaRPr lang="en-US" dirty="0"/>
@@ -1021,10 +1013,9 @@
           <a:p>
             <a:pPr lvl="0"/>
             <a:r>
-              <a:rPr lang="de-DE" dirty="0" smtClean="0"/>
+              <a:rPr lang="de-DE" dirty="0"/>
               <a:t>Aufgabentext</a:t>
             </a:r>
-            <a:endParaRPr lang="de-DE" dirty="0"/>
           </a:p>
         </p:txBody>
       </p:sp>
@@ -1051,10 +1042,9 @@
           <a:lstStyle/>
           <a:p>
             <a:r>
-              <a:rPr lang="de-DE" b="1" dirty="0" smtClean="0"/>
+              <a:rPr lang="de-DE" b="1" dirty="0"/>
               <a:t>Challenge</a:t>
             </a:r>
-            <a:endParaRPr lang="de-DE" b="1" dirty="0"/>
           </a:p>
         </p:txBody>
       </p:sp>
@@ -1091,10 +1081,9 @@
           <a:p>
             <a:pPr lvl="0"/>
             <a:r>
-              <a:rPr lang="de-DE" dirty="0" smtClean="0"/>
+              <a:rPr lang="de-DE" dirty="0"/>
               <a:t>Schwierigkeitsgrad</a:t>
             </a:r>
-            <a:endParaRPr lang="de-DE" dirty="0"/>
           </a:p>
         </p:txBody>
       </p:sp>
@@ -1131,7 +1120,7 @@
           <a:p>
             <a:pPr lvl="0"/>
             <a:r>
-              <a:rPr lang="de-DE" sz="3200" dirty="0" smtClean="0"/>
+              <a:rPr lang="de-DE" sz="3200" dirty="0"/>
               <a:t>N</a:t>
             </a:r>
             <a:endParaRPr lang="de-DE" dirty="0"/>
@@ -1249,6 +1238,42 @@
           </a:prstGeom>
         </p:spPr>
       </p:pic>
+      <p:pic>
+        <p:nvPicPr>
+          <p:cNvPr id="28" name="Grafik 27">
+            <a:extLst>
+              <a:ext uri="{FF2B5EF4-FFF2-40B4-BE49-F238E27FC236}">
+                <a16:creationId xmlns:a16="http://schemas.microsoft.com/office/drawing/2014/main" id="{492383FE-0210-4E71-92DA-909096403BD5}"/>
+              </a:ext>
+            </a:extLst>
+          </p:cNvPr>
+          <p:cNvPicPr>
+            <a:picLocks noChangeAspect="1"/>
+          </p:cNvPicPr>
+          <p:nvPr userDrawn="1"/>
+        </p:nvPicPr>
+        <p:blipFill>
+          <a:blip r:embed="rId4" cstate="print">
+            <a:extLst>
+              <a:ext uri="{28A0092B-C50C-407E-A947-70E740481C1C}">
+                <a14:useLocalDpi xmlns:a14="http://schemas.microsoft.com/office/drawing/2010/main" val="0"/>
+              </a:ext>
+            </a:extLst>
+          </a:blip>
+          <a:stretch>
+            <a:fillRect/>
+          </a:stretch>
+        </p:blipFill>
+        <p:spPr>
+          <a:xfrm>
+            <a:off x="2074069" y="9099550"/>
+            <a:ext cx="381000" cy="571500"/>
+          </a:xfrm>
+          <a:prstGeom prst="rect">
+            <a:avLst/>
+          </a:prstGeom>
+        </p:spPr>
+      </p:pic>
     </p:spTree>
     <p:extLst>
       <p:ext uri="{BB962C8B-B14F-4D97-AF65-F5344CB8AC3E}">
@@ -1259,13 +1284,6 @@
   <p:clrMapOvr>
     <a:masterClrMapping/>
   </p:clrMapOvr>
-  <p:timing>
-    <p:tnLst>
-      <p:par>
-        <p:cTn id="1" dur="indefinite" restart="never" nodeType="tmRoot"/>
-      </p:par>
-    </p:tnLst>
-  </p:timing>
 </p:sldLayout>
 </file>
 
@@ -1408,7 +1426,7 @@
           </a:lstStyle>
           <a:p>
             <a:r>
-              <a:rPr lang="de-DE" dirty="0" smtClean="0"/>
+              <a:rPr lang="de-DE" dirty="0"/>
               <a:t>Titelmasterformat durch Klicken bearbeiten</a:t>
             </a:r>
             <a:endParaRPr lang="en-US" dirty="0"/>
@@ -1658,6 +1676,42 @@
           </a:prstGeom>
         </p:spPr>
       </p:pic>
+      <p:pic>
+        <p:nvPicPr>
+          <p:cNvPr id="21" name="Grafik 20">
+            <a:extLst>
+              <a:ext uri="{FF2B5EF4-FFF2-40B4-BE49-F238E27FC236}">
+                <a16:creationId xmlns:a16="http://schemas.microsoft.com/office/drawing/2014/main" id="{C3EBEFEA-BA7B-450A-9714-CB6B80802994}"/>
+              </a:ext>
+            </a:extLst>
+          </p:cNvPr>
+          <p:cNvPicPr>
+            <a:picLocks noChangeAspect="1"/>
+          </p:cNvPicPr>
+          <p:nvPr userDrawn="1"/>
+        </p:nvPicPr>
+        <p:blipFill>
+          <a:blip r:embed="rId4" cstate="print">
+            <a:extLst>
+              <a:ext uri="{28A0092B-C50C-407E-A947-70E740481C1C}">
+                <a14:useLocalDpi xmlns:a14="http://schemas.microsoft.com/office/drawing/2010/main" val="0"/>
+              </a:ext>
+            </a:extLst>
+          </a:blip>
+          <a:stretch>
+            <a:fillRect/>
+          </a:stretch>
+        </p:blipFill>
+        <p:spPr>
+          <a:xfrm>
+            <a:off x="2074069" y="9099550"/>
+            <a:ext cx="381000" cy="571500"/>
+          </a:xfrm>
+          <a:prstGeom prst="rect">
+            <a:avLst/>
+          </a:prstGeom>
+        </p:spPr>
+      </p:pic>
     </p:spTree>
     <p:extLst>
       <p:ext uri="{BB962C8B-B14F-4D97-AF65-F5344CB8AC3E}">
@@ -1668,13 +1722,6 @@
   <p:clrMapOvr>
     <a:masterClrMapping/>
   </p:clrMapOvr>
-  <p:timing>
-    <p:tnLst>
-      <p:par>
-        <p:cTn id="1" dur="indefinite" restart="never" nodeType="tmRoot"/>
-      </p:par>
-    </p:tnLst>
-  </p:timing>
 </p:sldLayout>
 </file>
 
@@ -1724,10 +1771,9 @@
           </a:lstStyle>
           <a:p>
             <a:r>
-              <a:rPr lang="de-DE" dirty="0" smtClean="0"/>
+              <a:rPr lang="de-DE" dirty="0"/>
               <a:t>Aufgabe</a:t>
             </a:r>
-            <a:endParaRPr lang="de-DE" dirty="0"/>
           </a:p>
         </p:txBody>
       </p:sp>
@@ -1748,7 +1794,7 @@
           <a:p>
             <a:fld id="{FC9269F9-6F79-4414-A84E-D81C6C443C37}" type="datetimeFigureOut">
               <a:rPr lang="de-DE" smtClean="0"/>
-              <a:t>31.01.2019</a:t>
+              <a:t>06.12.2019</a:t>
             </a:fld>
             <a:endParaRPr lang="de-DE"/>
           </a:p>
@@ -1800,14 +1846,11 @@
           <a:lstStyle/>
           <a:p>
             <a:r>
-              <a:rPr lang="de-DE" sz="3600" b="1" dirty="0" smtClean="0">
+              <a:rPr lang="de-DE" sz="3600" b="1" dirty="0">
                 <a:latin typeface="+mn-lt"/>
               </a:rPr>
               <a:t>Lösung</a:t>
             </a:r>
-            <a:endParaRPr lang="de-DE" sz="3600" b="1" dirty="0">
-              <a:latin typeface="+mn-lt"/>
-            </a:endParaRPr>
           </a:p>
         </p:txBody>
       </p:sp>
@@ -1870,10 +1913,9 @@
           <a:lstStyle/>
           <a:p>
             <a:r>
-              <a:rPr lang="de-DE" sz="1200" dirty="0" smtClean="0"/>
+              <a:rPr lang="de-DE" sz="1200" dirty="0"/>
               <a:t>Verwendete Befehlsgruppen</a:t>
             </a:r>
-            <a:endParaRPr lang="de-DE" sz="1200" dirty="0"/>
           </a:p>
         </p:txBody>
       </p:sp>
@@ -1960,10 +2002,9 @@
           <a:lstStyle/>
           <a:p>
             <a:r>
-              <a:rPr lang="de-DE" sz="1600" b="1" dirty="0" smtClean="0"/>
+              <a:rPr lang="de-DE" sz="1600" b="1" dirty="0"/>
               <a:t>Code</a:t>
             </a:r>
-            <a:endParaRPr lang="de-DE" sz="1600" b="1" dirty="0"/>
           </a:p>
         </p:txBody>
       </p:sp>
@@ -1999,38 +2040,37 @@
           <a:p>
             <a:pPr lvl="0"/>
             <a:r>
-              <a:rPr lang="de-DE" dirty="0" smtClean="0"/>
+              <a:rPr lang="de-DE" dirty="0"/>
               <a:t>Formatvorlagen des Textmasters bearbeiten</a:t>
             </a:r>
           </a:p>
           <a:p>
             <a:pPr lvl="1"/>
             <a:r>
-              <a:rPr lang="de-DE" dirty="0" smtClean="0"/>
+              <a:rPr lang="de-DE" dirty="0"/>
               <a:t>Zweite Ebene</a:t>
             </a:r>
           </a:p>
           <a:p>
             <a:pPr lvl="2"/>
             <a:r>
-              <a:rPr lang="de-DE" dirty="0" smtClean="0"/>
+              <a:rPr lang="de-DE" dirty="0"/>
               <a:t>Dritte Ebene</a:t>
             </a:r>
           </a:p>
           <a:p>
             <a:pPr lvl="3"/>
             <a:r>
-              <a:rPr lang="de-DE" dirty="0" smtClean="0"/>
+              <a:rPr lang="de-DE" dirty="0"/>
               <a:t>Vierte Ebene</a:t>
             </a:r>
           </a:p>
           <a:p>
             <a:pPr lvl="4"/>
             <a:r>
-              <a:rPr lang="de-DE" dirty="0" smtClean="0"/>
+              <a:rPr lang="de-DE" dirty="0"/>
               <a:t>Fünfte Ebene</a:t>
             </a:r>
-            <a:endParaRPr lang="de-DE" dirty="0"/>
           </a:p>
         </p:txBody>
       </p:sp>
@@ -2106,12 +2146,12 @@
           <a:p>
             <a:pPr algn="ctr"/>
             <a:r>
-              <a:rPr lang="de-DE" sz="1100" dirty="0" smtClean="0">
+              <a:rPr lang="de-DE" sz="1100" dirty="0">
                 <a:hlinkClick r:id="rId2"/>
               </a:rPr>
               <a:t>https://www.htw-dresden.de/kiss-mint</a:t>
             </a:r>
-            <a:endParaRPr lang="de-DE" sz="1100" dirty="0" smtClean="0"/>
+            <a:endParaRPr lang="de-DE" sz="1100" dirty="0"/>
           </a:p>
         </p:txBody>
       </p:sp>
@@ -2125,13 +2165,6 @@
   <p:clrMapOvr>
     <a:masterClrMapping/>
   </p:clrMapOvr>
-  <p:timing>
-    <p:tnLst>
-      <p:par>
-        <p:cTn id="1" dur="indefinite" restart="never" nodeType="tmRoot"/>
-      </p:par>
-    </p:tnLst>
-  </p:timing>
 </p:sldLayout>
 </file>
 
@@ -2179,10 +2212,9 @@
           </a:lstStyle>
           <a:p>
             <a:r>
-              <a:rPr lang="de-DE" dirty="0" smtClean="0"/>
+              <a:rPr lang="de-DE" dirty="0"/>
               <a:t>Titelmasterformat durch Klicken bearbeiten</a:t>
             </a:r>
-            <a:endParaRPr lang="de-DE" dirty="0"/>
           </a:p>
         </p:txBody>
       </p:sp>
@@ -2203,7 +2235,7 @@
           <a:p>
             <a:fld id="{FC9269F9-6F79-4414-A84E-D81C6C443C37}" type="datetimeFigureOut">
               <a:rPr lang="de-DE" smtClean="0"/>
-              <a:t>31.01.2019</a:t>
+              <a:t>06.12.2019</a:t>
             </a:fld>
             <a:endParaRPr lang="de-DE"/>
           </a:p>
@@ -2261,7 +2293,7 @@
           <a:p>
             <a:pPr lvl="0"/>
             <a:r>
-              <a:rPr lang="de-DE" b="1" dirty="0" smtClean="0"/>
+              <a:rPr lang="de-DE" b="1" dirty="0"/>
               <a:t>Rubrik</a:t>
             </a:r>
             <a:endParaRPr lang="de-DE" dirty="0"/>
@@ -2316,10 +2348,9 @@
           <a:p>
             <a:pPr lvl="0"/>
             <a:r>
-              <a:rPr lang="de-DE" dirty="0" smtClean="0"/>
+              <a:rPr lang="de-DE" dirty="0"/>
               <a:t>Formatvorlagen des Textmasters bearbeiten</a:t>
             </a:r>
-            <a:endParaRPr lang="de-DE" dirty="0"/>
           </a:p>
         </p:txBody>
       </p:sp>
@@ -2347,12 +2378,12 @@
           <a:p>
             <a:pPr algn="ctr"/>
             <a:r>
-              <a:rPr lang="de-DE" sz="1100" dirty="0" smtClean="0">
+              <a:rPr lang="de-DE" sz="1100" dirty="0">
                 <a:hlinkClick r:id="rId2"/>
               </a:rPr>
               <a:t>https://www.htw-dresden.de/kiss-mint</a:t>
             </a:r>
-            <a:endParaRPr lang="de-DE" sz="1100" dirty="0" smtClean="0"/>
+            <a:endParaRPr lang="de-DE" sz="1100" dirty="0"/>
           </a:p>
         </p:txBody>
       </p:sp>
@@ -2366,13 +2397,6 @@
   <p:clrMapOvr>
     <a:masterClrMapping/>
   </p:clrMapOvr>
-  <p:timing>
-    <p:tnLst>
-      <p:par>
-        <p:cTn id="1" dur="indefinite" restart="never" nodeType="tmRoot"/>
-      </p:par>
-    </p:tnLst>
-  </p:timing>
 </p:sldLayout>
 </file>
 
@@ -2660,34 +2684,34 @@
           <a:p>
             <a:pPr algn="ctr"/>
             <a:r>
-              <a:rPr lang="de-DE" b="1" dirty="0" smtClean="0"/>
+              <a:rPr lang="de-DE" b="1" dirty="0"/>
               <a:t>Veröffentlicht</a:t>
             </a:r>
             <a:r>
-              <a:rPr lang="de-DE" b="1" baseline="0" dirty="0" smtClean="0"/>
+              <a:rPr lang="de-DE" b="1" baseline="0" dirty="0"/>
               <a:t> unter CC BY SA</a:t>
             </a:r>
           </a:p>
           <a:p>
             <a:pPr algn="ctr"/>
-            <a:endParaRPr lang="de-DE" b="0" baseline="0" dirty="0" smtClean="0"/>
+            <a:endParaRPr lang="de-DE" b="0" baseline="0" dirty="0"/>
           </a:p>
           <a:p>
             <a:pPr algn="ctr"/>
             <a:r>
-              <a:rPr lang="de-DE" b="0" dirty="0" smtClean="0"/>
+              <a:rPr lang="de-DE" b="0" dirty="0"/>
               <a:t>Dieses Werk ist unter einer Creative </a:t>
             </a:r>
             <a:r>
-              <a:rPr lang="de-DE" b="0" dirty="0" err="1" smtClean="0"/>
+              <a:rPr lang="de-DE" b="0" dirty="0" err="1"/>
               <a:t>Commons</a:t>
             </a:r>
             <a:r>
-              <a:rPr lang="de-DE" b="0" dirty="0" smtClean="0"/>
+              <a:rPr lang="de-DE" b="0" dirty="0"/>
               <a:t> Lizenz vom Typ Namensnennung - Weitergabe unter gleichen Bedingungen 4.0 International zugänglich. Um eine Kopie dieser Lizenz einzusehen, konsultieren </a:t>
             </a:r>
             <a:r>
-              <a:rPr lang="de-DE" b="0" dirty="0" smtClean="0">
+              <a:rPr lang="de-DE" b="0" dirty="0">
                 <a:solidFill>
                   <a:schemeClr val="bg1"/>
                 </a:solidFill>
@@ -2695,18 +2719,17 @@
               <a:t>Sie http://creativecommons.org/licenses/by-sa/4.0/ oder </a:t>
             </a:r>
             <a:r>
-              <a:rPr lang="de-DE" b="0" dirty="0" smtClean="0"/>
+              <a:rPr lang="de-DE" b="0" dirty="0"/>
               <a:t>wenden Sie sich brieflich an Creative </a:t>
             </a:r>
             <a:r>
-              <a:rPr lang="de-DE" b="0" dirty="0" err="1" smtClean="0"/>
+              <a:rPr lang="de-DE" b="0" dirty="0" err="1"/>
               <a:t>Commons</a:t>
             </a:r>
             <a:r>
-              <a:rPr lang="de-DE" b="0" dirty="0" smtClean="0"/>
+              <a:rPr lang="de-DE" b="0" dirty="0"/>
               <a:t>, Postfach 1866, Mountain View, California, 94042, USA.</a:t>
             </a:r>
-            <a:endParaRPr lang="de-DE" b="0" dirty="0"/>
           </a:p>
         </p:txBody>
       </p:sp>
@@ -2865,38 +2888,37 @@
           <a:p>
             <a:pPr lvl="0"/>
             <a:r>
-              <a:rPr lang="de-DE" dirty="0" smtClean="0"/>
+              <a:rPr lang="de-DE" dirty="0"/>
               <a:t>Formatvorlagen des Textmasters bearbeiten</a:t>
             </a:r>
           </a:p>
           <a:p>
             <a:pPr lvl="1"/>
             <a:r>
-              <a:rPr lang="de-DE" dirty="0" smtClean="0"/>
+              <a:rPr lang="de-DE" dirty="0"/>
               <a:t>Zweite Ebene</a:t>
             </a:r>
           </a:p>
           <a:p>
             <a:pPr lvl="2"/>
             <a:r>
-              <a:rPr lang="de-DE" dirty="0" smtClean="0"/>
+              <a:rPr lang="de-DE" dirty="0"/>
               <a:t>Dritte Ebene</a:t>
             </a:r>
           </a:p>
           <a:p>
             <a:pPr lvl="3"/>
             <a:r>
-              <a:rPr lang="de-DE" dirty="0" smtClean="0"/>
+              <a:rPr lang="de-DE" dirty="0"/>
               <a:t>Vierte Ebene</a:t>
             </a:r>
           </a:p>
           <a:p>
             <a:pPr lvl="4"/>
             <a:r>
-              <a:rPr lang="de-DE" dirty="0" smtClean="0"/>
+              <a:rPr lang="de-DE" dirty="0"/>
               <a:t>Fünfte Ebene</a:t>
             </a:r>
-            <a:endParaRPr lang="de-DE" dirty="0"/>
           </a:p>
         </p:txBody>
       </p:sp>
@@ -2939,13 +2961,6 @@
   <p:clrMapOvr>
     <a:masterClrMapping/>
   </p:clrMapOvr>
-  <p:timing>
-    <p:tnLst>
-      <p:par>
-        <p:cTn id="1" dur="indefinite" restart="never" nodeType="tmRoot"/>
-      </p:par>
-    </p:tnLst>
-  </p:timing>
 </p:sldLayout>
 </file>
 
@@ -2993,10 +3008,9 @@
           </a:lstStyle>
           <a:p>
             <a:r>
-              <a:rPr lang="de-DE" dirty="0" smtClean="0"/>
+              <a:rPr lang="de-DE" dirty="0"/>
               <a:t>Titelmasterformat durch Klicken bearbeiten</a:t>
             </a:r>
-            <a:endParaRPr lang="de-DE" dirty="0"/>
           </a:p>
         </p:txBody>
       </p:sp>
@@ -3017,7 +3031,7 @@
           <a:p>
             <a:fld id="{FC9269F9-6F79-4414-A84E-D81C6C443C37}" type="datetimeFigureOut">
               <a:rPr lang="de-DE" smtClean="0"/>
-              <a:t>31.01.2019</a:t>
+              <a:t>06.12.2019</a:t>
             </a:fld>
             <a:endParaRPr lang="de-DE"/>
           </a:p>
@@ -3094,7 +3108,7 @@
           <a:p>
             <a:pPr lvl="0"/>
             <a:r>
-              <a:rPr lang="de-DE" b="1" dirty="0" smtClean="0"/>
+              <a:rPr lang="de-DE" b="1" dirty="0"/>
               <a:t>Rubrik</a:t>
             </a:r>
             <a:endParaRPr lang="de-DE" dirty="0"/>
@@ -3153,10 +3167,9 @@
           <a:p>
             <a:pPr lvl="0"/>
             <a:r>
-              <a:rPr lang="de-DE" dirty="0" smtClean="0"/>
+              <a:rPr lang="de-DE" dirty="0"/>
               <a:t>Formatvorlagen des Textmasters bearbeiten</a:t>
             </a:r>
-            <a:endParaRPr lang="de-DE" dirty="0"/>
           </a:p>
         </p:txBody>
       </p:sp>
@@ -3188,10 +3201,9 @@
           <a:p>
             <a:pPr lvl="0"/>
             <a:r>
-              <a:rPr lang="de-DE" dirty="0" smtClean="0"/>
+              <a:rPr lang="de-DE" dirty="0"/>
               <a:t>Legende</a:t>
             </a:r>
-            <a:endParaRPr lang="de-DE" dirty="0"/>
           </a:p>
         </p:txBody>
       </p:sp>
@@ -3205,13 +3217,6 @@
   <p:clrMapOvr>
     <a:masterClrMapping/>
   </p:clrMapOvr>
-  <p:timing>
-    <p:tnLst>
-      <p:par>
-        <p:cTn id="1" dur="indefinite" restart="never" nodeType="tmRoot"/>
-      </p:par>
-    </p:tnLst>
-  </p:timing>
 </p:sldLayout>
 </file>
 
@@ -3249,7 +3254,7 @@
           <a:p>
             <a:fld id="{FC9269F9-6F79-4414-A84E-D81C6C443C37}" type="datetimeFigureOut">
               <a:rPr lang="de-DE" smtClean="0"/>
-              <a:t>31.01.2019</a:t>
+              <a:t>06.12.2019</a:t>
             </a:fld>
             <a:endParaRPr lang="de-DE"/>
           </a:p>
@@ -3307,13 +3312,6 @@
   <p:clrMapOvr>
     <a:masterClrMapping/>
   </p:clrMapOvr>
-  <p:timing>
-    <p:tnLst>
-      <p:par>
-        <p:cTn id="1" dur="indefinite" restart="never" nodeType="tmRoot"/>
-      </p:par>
-    </p:tnLst>
-  </p:timing>
 </p:sldLayout>
 </file>
 
@@ -3365,7 +3363,7 @@
           <a:lstStyle/>
           <a:p>
             <a:r>
-              <a:rPr lang="de-DE" smtClean="0"/>
+              <a:rPr lang="de-DE"/>
               <a:t>Titelmasterformat durch Klicken bearbeiten</a:t>
             </a:r>
             <a:endParaRPr lang="en-US" dirty="0"/>
@@ -3399,35 +3397,35 @@
           <a:p>
             <a:pPr lvl="0"/>
             <a:r>
-              <a:rPr lang="de-DE" smtClean="0"/>
+              <a:rPr lang="de-DE"/>
               <a:t>Formatvorlagen des Textmasters bearbeiten</a:t>
             </a:r>
           </a:p>
           <a:p>
             <a:pPr lvl="1"/>
             <a:r>
-              <a:rPr lang="de-DE" smtClean="0"/>
+              <a:rPr lang="de-DE"/>
               <a:t>Zweite Ebene</a:t>
             </a:r>
           </a:p>
           <a:p>
             <a:pPr lvl="2"/>
             <a:r>
-              <a:rPr lang="de-DE" smtClean="0"/>
+              <a:rPr lang="de-DE"/>
               <a:t>Dritte Ebene</a:t>
             </a:r>
           </a:p>
           <a:p>
             <a:pPr lvl="3"/>
             <a:r>
-              <a:rPr lang="de-DE" smtClean="0"/>
+              <a:rPr lang="de-DE"/>
               <a:t>Vierte Ebene</a:t>
             </a:r>
           </a:p>
           <a:p>
             <a:pPr lvl="4"/>
             <a:r>
-              <a:rPr lang="de-DE" smtClean="0"/>
+              <a:rPr lang="de-DE"/>
               <a:t>Fünfte Ebene</a:t>
             </a:r>
             <a:endParaRPr lang="en-US" dirty="0"/>
@@ -3469,7 +3467,7 @@
           <a:p>
             <a:fld id="{FC9269F9-6F79-4414-A84E-D81C6C443C37}" type="datetimeFigureOut">
               <a:rPr lang="de-DE" smtClean="0"/>
-              <a:t>31.01.2019</a:t>
+              <a:t>06.12.2019</a:t>
             </a:fld>
             <a:endParaRPr lang="de-DE"/>
           </a:p>
@@ -3572,13 +3570,6 @@
     <p:sldLayoutId id="2147483674" r:id="rId7"/>
     <p:sldLayoutId id="2147483676" r:id="rId8"/>
   </p:sldLayoutIdLst>
-  <p:timing>
-    <p:tnLst>
-      <p:par>
-        <p:cTn id="1" dur="indefinite" restart="never" nodeType="tmRoot"/>
-      </p:par>
-    </p:tnLst>
-  </p:timing>
   <p:txStyles>
     <p:titleStyle>
       <a:lvl1pPr algn="l" defTabSz="685800" rtl="0" eaLnBrk="1" latinLnBrk="0" hangingPunct="1">
@@ -3895,10 +3886,9 @@
           <a:lstStyle/>
           <a:p>
             <a:r>
-              <a:rPr lang="de-DE" dirty="0" smtClean="0"/>
+              <a:rPr lang="de-DE" dirty="0"/>
               <a:t>Hindernislauf</a:t>
             </a:r>
-            <a:endParaRPr lang="de-DE" dirty="0"/>
           </a:p>
         </p:txBody>
       </p:sp>
@@ -3925,10 +3915,9 @@
           <a:lstStyle/>
           <a:p>
             <a:r>
-              <a:rPr lang="de-DE" dirty="0" smtClean="0"/>
+              <a:rPr lang="de-DE" dirty="0"/>
               <a:t>Programmiere ein Spiel bei dem am unteren Rand die Spielfigur zu sehen ist. Vom oberen Rand sollen Hindernisse auf die Figur zukommen. Mittels A und B soll die Spielfigur den Hindernissen ausweichen.</a:t>
             </a:r>
-            <a:endParaRPr lang="de-DE" dirty="0"/>
           </a:p>
         </p:txBody>
       </p:sp>
@@ -3949,13 +3938,8 @@
           <a:p>
             <a:r>
               <a:rPr lang="de-DE" dirty="0"/>
-              <a:t>Für </a:t>
-            </a:r>
-            <a:r>
-              <a:rPr lang="de-DE" dirty="0" smtClean="0"/>
-              <a:t>Fortgeschrittene</a:t>
-            </a:r>
-            <a:endParaRPr lang="de-DE" dirty="0"/>
+              <a:t>Für Fortgeschrittene</a:t>
+            </a:r>
           </a:p>
           <a:p>
             <a:endParaRPr lang="de-DE" dirty="0"/>
@@ -4016,13 +4000,6 @@
   <p:clrMapOvr>
     <a:masterClrMapping/>
   </p:clrMapOvr>
-  <p:timing>
-    <p:tnLst>
-      <p:par>
-        <p:cTn id="1" dur="indefinite" restart="never" nodeType="tmRoot"/>
-      </p:par>
-    </p:tnLst>
-  </p:timing>
 </p:sld>
 </file>
 

--- a/Hindernislauf/Hindernislauf.pptx
+++ b/Hindernislauf/Hindernislauf.pptx
@@ -201,7 +201,7 @@
           <a:p>
             <a:fld id="{DD7A25D8-F173-4133-85F8-CB962D678EB5}" type="datetimeFigureOut">
               <a:rPr lang="de-DE" smtClean="0"/>
-              <a:t>06.12.2019</a:t>
+              <a:t>09.12.2019</a:t>
             </a:fld>
             <a:endParaRPr lang="de-DE"/>
           </a:p>
@@ -599,7 +599,7 @@
           <a:p>
             <a:fld id="{FC9269F9-6F79-4414-A84E-D81C6C443C37}" type="datetimeFigureOut">
               <a:rPr lang="de-DE" smtClean="0"/>
-              <a:t>06.12.2019</a:t>
+              <a:t>09.12.2019</a:t>
             </a:fld>
             <a:endParaRPr lang="de-DE"/>
           </a:p>
@@ -1181,7 +1181,13 @@
       </p:sp>
       <p:pic>
         <p:nvPicPr>
-          <p:cNvPr id="23" name="Grafik 22"/>
+          <p:cNvPr id="27" name="Grafik 26">
+            <a:extLst>
+              <a:ext uri="{FF2B5EF4-FFF2-40B4-BE49-F238E27FC236}">
+                <a16:creationId xmlns:a16="http://schemas.microsoft.com/office/drawing/2014/main" id="{5ADE7EA4-E131-44DA-A045-02BFB9D804E1}"/>
+              </a:ext>
+            </a:extLst>
+          </p:cNvPr>
           <p:cNvPicPr>
             <a:picLocks noChangeAspect="1"/>
           </p:cNvPicPr>
@@ -1211,7 +1217,13 @@
       </p:pic>
       <p:pic>
         <p:nvPicPr>
-          <p:cNvPr id="25" name="Grafik 24"/>
+          <p:cNvPr id="29" name="Grafik 28">
+            <a:extLst>
+              <a:ext uri="{FF2B5EF4-FFF2-40B4-BE49-F238E27FC236}">
+                <a16:creationId xmlns:a16="http://schemas.microsoft.com/office/drawing/2014/main" id="{125892BB-3F53-4C6B-B6B2-D7E9FD5D6D43}"/>
+              </a:ext>
+            </a:extLst>
+          </p:cNvPr>
           <p:cNvPicPr>
             <a:picLocks noChangeAspect="1"/>
           </p:cNvPicPr>
@@ -1240,10 +1252,10 @@
       </p:pic>
       <p:pic>
         <p:nvPicPr>
-          <p:cNvPr id="28" name="Grafik 27">
+          <p:cNvPr id="30" name="Grafik 29">
             <a:extLst>
               <a:ext uri="{FF2B5EF4-FFF2-40B4-BE49-F238E27FC236}">
-                <a16:creationId xmlns:a16="http://schemas.microsoft.com/office/drawing/2014/main" id="{492383FE-0210-4E71-92DA-909096403BD5}"/>
+                <a16:creationId xmlns:a16="http://schemas.microsoft.com/office/drawing/2014/main" id="{D8C301ED-F383-443D-BF1E-CC38D8C29CF1}"/>
               </a:ext>
             </a:extLst>
           </p:cNvPr>
@@ -1268,6 +1280,42 @@
           <a:xfrm>
             <a:off x="2074069" y="9099550"/>
             <a:ext cx="381000" cy="571500"/>
+          </a:xfrm>
+          <a:prstGeom prst="rect">
+            <a:avLst/>
+          </a:prstGeom>
+        </p:spPr>
+      </p:pic>
+      <p:pic>
+        <p:nvPicPr>
+          <p:cNvPr id="31" name="Grafik 30">
+            <a:extLst>
+              <a:ext uri="{FF2B5EF4-FFF2-40B4-BE49-F238E27FC236}">
+                <a16:creationId xmlns:a16="http://schemas.microsoft.com/office/drawing/2014/main" id="{7C50771F-D08D-43A9-B272-5465CD5A8513}"/>
+              </a:ext>
+            </a:extLst>
+          </p:cNvPr>
+          <p:cNvPicPr>
+            <a:picLocks noChangeAspect="1"/>
+          </p:cNvPicPr>
+          <p:nvPr userDrawn="1"/>
+        </p:nvPicPr>
+        <p:blipFill>
+          <a:blip r:embed="rId5" cstate="print">
+            <a:extLst>
+              <a:ext uri="{28A0092B-C50C-407E-A947-70E740481C1C}">
+                <a14:useLocalDpi xmlns:a14="http://schemas.microsoft.com/office/drawing/2010/main" val="0"/>
+              </a:ext>
+            </a:extLst>
+          </a:blip>
+          <a:stretch>
+            <a:fillRect/>
+          </a:stretch>
+        </p:blipFill>
+        <p:spPr>
+          <a:xfrm>
+            <a:off x="3590172" y="8960427"/>
+            <a:ext cx="911392" cy="911392"/>
           </a:xfrm>
           <a:prstGeom prst="rect">
             <a:avLst/>
@@ -1619,7 +1667,13 @@
       </p:sp>
       <p:pic>
         <p:nvPicPr>
-          <p:cNvPr id="15" name="Grafik 14"/>
+          <p:cNvPr id="20" name="Grafik 19">
+            <a:extLst>
+              <a:ext uri="{FF2B5EF4-FFF2-40B4-BE49-F238E27FC236}">
+                <a16:creationId xmlns:a16="http://schemas.microsoft.com/office/drawing/2014/main" id="{1EC250A1-1C43-4AD5-986B-754822D9476E}"/>
+              </a:ext>
+            </a:extLst>
+          </p:cNvPr>
           <p:cNvPicPr>
             <a:picLocks noChangeAspect="1"/>
           </p:cNvPicPr>
@@ -1649,7 +1703,13 @@
       </p:pic>
       <p:pic>
         <p:nvPicPr>
-          <p:cNvPr id="18" name="Grafik 17"/>
+          <p:cNvPr id="22" name="Grafik 21">
+            <a:extLst>
+              <a:ext uri="{FF2B5EF4-FFF2-40B4-BE49-F238E27FC236}">
+                <a16:creationId xmlns:a16="http://schemas.microsoft.com/office/drawing/2014/main" id="{45AFEB9A-5F09-49E0-A12B-80B4356F8E95}"/>
+              </a:ext>
+            </a:extLst>
+          </p:cNvPr>
           <p:cNvPicPr>
             <a:picLocks noChangeAspect="1"/>
           </p:cNvPicPr>
@@ -1678,10 +1738,10 @@
       </p:pic>
       <p:pic>
         <p:nvPicPr>
-          <p:cNvPr id="21" name="Grafik 20">
+          <p:cNvPr id="23" name="Grafik 22">
             <a:extLst>
               <a:ext uri="{FF2B5EF4-FFF2-40B4-BE49-F238E27FC236}">
-                <a16:creationId xmlns:a16="http://schemas.microsoft.com/office/drawing/2014/main" id="{C3EBEFEA-BA7B-450A-9714-CB6B80802994}"/>
+                <a16:creationId xmlns:a16="http://schemas.microsoft.com/office/drawing/2014/main" id="{CD9EC2E4-B021-49B8-B5DB-2FA4E82465F2}"/>
               </a:ext>
             </a:extLst>
           </p:cNvPr>
@@ -1706,6 +1766,42 @@
           <a:xfrm>
             <a:off x="2074069" y="9099550"/>
             <a:ext cx="381000" cy="571500"/>
+          </a:xfrm>
+          <a:prstGeom prst="rect">
+            <a:avLst/>
+          </a:prstGeom>
+        </p:spPr>
+      </p:pic>
+      <p:pic>
+        <p:nvPicPr>
+          <p:cNvPr id="24" name="Grafik 23">
+            <a:extLst>
+              <a:ext uri="{FF2B5EF4-FFF2-40B4-BE49-F238E27FC236}">
+                <a16:creationId xmlns:a16="http://schemas.microsoft.com/office/drawing/2014/main" id="{45577520-E22D-4A5C-95CF-3649F88E2891}"/>
+              </a:ext>
+            </a:extLst>
+          </p:cNvPr>
+          <p:cNvPicPr>
+            <a:picLocks noChangeAspect="1"/>
+          </p:cNvPicPr>
+          <p:nvPr userDrawn="1"/>
+        </p:nvPicPr>
+        <p:blipFill>
+          <a:blip r:embed="rId5" cstate="print">
+            <a:extLst>
+              <a:ext uri="{28A0092B-C50C-407E-A947-70E740481C1C}">
+                <a14:useLocalDpi xmlns:a14="http://schemas.microsoft.com/office/drawing/2010/main" val="0"/>
+              </a:ext>
+            </a:extLst>
+          </a:blip>
+          <a:stretch>
+            <a:fillRect/>
+          </a:stretch>
+        </p:blipFill>
+        <p:spPr>
+          <a:xfrm>
+            <a:off x="3590172" y="8960427"/>
+            <a:ext cx="911392" cy="911392"/>
           </a:xfrm>
           <a:prstGeom prst="rect">
             <a:avLst/>
@@ -1794,7 +1890,7 @@
           <a:p>
             <a:fld id="{FC9269F9-6F79-4414-A84E-D81C6C443C37}" type="datetimeFigureOut">
               <a:rPr lang="de-DE" smtClean="0"/>
-              <a:t>06.12.2019</a:t>
+              <a:t>09.12.2019</a:t>
             </a:fld>
             <a:endParaRPr lang="de-DE"/>
           </a:p>
@@ -2122,39 +2218,149 @@
           </a:p>
         </p:txBody>
       </p:sp>
-      <p:sp>
-        <p:nvSpPr>
-          <p:cNvPr id="15" name="Textfeld 14"/>
-          <p:cNvSpPr txBox="1"/>
+      <p:pic>
+        <p:nvPicPr>
+          <p:cNvPr id="17" name="Grafik 16">
+            <a:extLst>
+              <a:ext uri="{FF2B5EF4-FFF2-40B4-BE49-F238E27FC236}">
+                <a16:creationId xmlns:a16="http://schemas.microsoft.com/office/drawing/2014/main" id="{C8C8B85D-ADFA-4D23-973E-EADB56A75B1E}"/>
+              </a:ext>
+            </a:extLst>
+          </p:cNvPr>
+          <p:cNvPicPr>
+            <a:picLocks noChangeAspect="1"/>
+          </p:cNvPicPr>
           <p:nvPr userDrawn="1"/>
-        </p:nvSpPr>
-        <p:spPr>
-          <a:xfrm>
-            <a:off x="2033534" y="9314293"/>
-            <a:ext cx="2449033" cy="261610"/>
+        </p:nvPicPr>
+        <p:blipFill>
+          <a:blip r:embed="rId2" cstate="print">
+            <a:extLst>
+              <a:ext uri="{28A0092B-C50C-407E-A947-70E740481C1C}">
+                <a14:useLocalDpi xmlns:a14="http://schemas.microsoft.com/office/drawing/2010/main" val="0"/>
+              </a:ext>
+            </a:extLst>
+          </a:blip>
+          <a:stretch>
+            <a:fillRect/>
+          </a:stretch>
+        </p:blipFill>
+        <p:spPr>
+          <a:xfrm>
+            <a:off x="4501564" y="9267750"/>
+            <a:ext cx="1884949" cy="324000"/>
           </a:xfrm>
           <a:prstGeom prst="rect">
             <a:avLst/>
           </a:prstGeom>
-          <a:noFill/>
-        </p:spPr>
-        <p:txBody>
-          <a:bodyPr wrap="square" rtlCol="0">
-            <a:spAutoFit/>
-          </a:bodyPr>
-          <a:lstStyle/>
-          <a:p>
-            <a:pPr algn="ctr"/>
-            <a:r>
-              <a:rPr lang="de-DE" sz="1100" dirty="0">
-                <a:hlinkClick r:id="rId2"/>
-              </a:rPr>
-              <a:t>https://www.htw-dresden.de/kiss-mint</a:t>
-            </a:r>
-            <a:endParaRPr lang="de-DE" sz="1100" dirty="0"/>
-          </a:p>
-        </p:txBody>
-      </p:sp>
+        </p:spPr>
+      </p:pic>
+      <p:pic>
+        <p:nvPicPr>
+          <p:cNvPr id="19" name="Grafik 18">
+            <a:extLst>
+              <a:ext uri="{FF2B5EF4-FFF2-40B4-BE49-F238E27FC236}">
+                <a16:creationId xmlns:a16="http://schemas.microsoft.com/office/drawing/2014/main" id="{FE078B95-66A5-4203-828E-CC2330AFAFE3}"/>
+              </a:ext>
+            </a:extLst>
+          </p:cNvPr>
+          <p:cNvPicPr>
+            <a:picLocks noChangeAspect="1"/>
+          </p:cNvPicPr>
+          <p:nvPr userDrawn="1"/>
+        </p:nvPicPr>
+        <p:blipFill rotWithShape="1">
+          <a:blip r:embed="rId3" cstate="print">
+            <a:extLst>
+              <a:ext uri="{28A0092B-C50C-407E-A947-70E740481C1C}">
+                <a14:useLocalDpi xmlns:a14="http://schemas.microsoft.com/office/drawing/2010/main" val="0"/>
+              </a:ext>
+            </a:extLst>
+          </a:blip>
+          <a:srcRect t="15984" b="15885"/>
+          <a:stretch/>
+        </p:blipFill>
+        <p:spPr>
+          <a:xfrm>
+            <a:off x="471488" y="9224307"/>
+            <a:ext cx="1604044" cy="453441"/>
+          </a:xfrm>
+          <a:prstGeom prst="rect">
+            <a:avLst/>
+          </a:prstGeom>
+        </p:spPr>
+      </p:pic>
+      <p:pic>
+        <p:nvPicPr>
+          <p:cNvPr id="21" name="Grafik 20">
+            <a:extLst>
+              <a:ext uri="{FF2B5EF4-FFF2-40B4-BE49-F238E27FC236}">
+                <a16:creationId xmlns:a16="http://schemas.microsoft.com/office/drawing/2014/main" id="{05EB59DA-63D7-47D6-BA5A-644620056743}"/>
+              </a:ext>
+            </a:extLst>
+          </p:cNvPr>
+          <p:cNvPicPr>
+            <a:picLocks noChangeAspect="1"/>
+          </p:cNvPicPr>
+          <p:nvPr userDrawn="1"/>
+        </p:nvPicPr>
+        <p:blipFill>
+          <a:blip r:embed="rId4" cstate="print">
+            <a:extLst>
+              <a:ext uri="{28A0092B-C50C-407E-A947-70E740481C1C}">
+                <a14:useLocalDpi xmlns:a14="http://schemas.microsoft.com/office/drawing/2010/main" val="0"/>
+              </a:ext>
+            </a:extLst>
+          </a:blip>
+          <a:stretch>
+            <a:fillRect/>
+          </a:stretch>
+        </p:blipFill>
+        <p:spPr>
+          <a:xfrm>
+            <a:off x="2074069" y="9099550"/>
+            <a:ext cx="381000" cy="571500"/>
+          </a:xfrm>
+          <a:prstGeom prst="rect">
+            <a:avLst/>
+          </a:prstGeom>
+        </p:spPr>
+      </p:pic>
+      <p:pic>
+        <p:nvPicPr>
+          <p:cNvPr id="22" name="Grafik 21">
+            <a:extLst>
+              <a:ext uri="{FF2B5EF4-FFF2-40B4-BE49-F238E27FC236}">
+                <a16:creationId xmlns:a16="http://schemas.microsoft.com/office/drawing/2014/main" id="{E1FEB2F8-B8B7-42FD-A721-829E244F483C}"/>
+              </a:ext>
+            </a:extLst>
+          </p:cNvPr>
+          <p:cNvPicPr>
+            <a:picLocks noChangeAspect="1"/>
+          </p:cNvPicPr>
+          <p:nvPr userDrawn="1"/>
+        </p:nvPicPr>
+        <p:blipFill>
+          <a:blip r:embed="rId5" cstate="print">
+            <a:extLst>
+              <a:ext uri="{28A0092B-C50C-407E-A947-70E740481C1C}">
+                <a14:useLocalDpi xmlns:a14="http://schemas.microsoft.com/office/drawing/2010/main" val="0"/>
+              </a:ext>
+            </a:extLst>
+          </a:blip>
+          <a:stretch>
+            <a:fillRect/>
+          </a:stretch>
+        </p:blipFill>
+        <p:spPr>
+          <a:xfrm>
+            <a:off x="3590172" y="8960427"/>
+            <a:ext cx="911392" cy="911392"/>
+          </a:xfrm>
+          <a:prstGeom prst="rect">
+            <a:avLst/>
+          </a:prstGeom>
+        </p:spPr>
+      </p:pic>
     </p:spTree>
     <p:extLst>
       <p:ext uri="{BB962C8B-B14F-4D97-AF65-F5344CB8AC3E}">
@@ -2235,7 +2441,7 @@
           <a:p>
             <a:fld id="{FC9269F9-6F79-4414-A84E-D81C6C443C37}" type="datetimeFigureOut">
               <a:rPr lang="de-DE" smtClean="0"/>
-              <a:t>06.12.2019</a:t>
+              <a:t>09.12.2019</a:t>
             </a:fld>
             <a:endParaRPr lang="de-DE"/>
           </a:p>
@@ -2354,39 +2560,149 @@
           </a:p>
         </p:txBody>
       </p:sp>
-      <p:sp>
-        <p:nvSpPr>
-          <p:cNvPr id="9" name="Textfeld 8"/>
-          <p:cNvSpPr txBox="1"/>
+      <p:pic>
+        <p:nvPicPr>
+          <p:cNvPr id="11" name="Grafik 10">
+            <a:extLst>
+              <a:ext uri="{FF2B5EF4-FFF2-40B4-BE49-F238E27FC236}">
+                <a16:creationId xmlns:a16="http://schemas.microsoft.com/office/drawing/2014/main" id="{D60ED622-5B5E-4DEE-961E-FB1B5A547F8B}"/>
+              </a:ext>
+            </a:extLst>
+          </p:cNvPr>
+          <p:cNvPicPr>
+            <a:picLocks noChangeAspect="1"/>
+          </p:cNvPicPr>
           <p:nvPr userDrawn="1"/>
-        </p:nvSpPr>
-        <p:spPr>
-          <a:xfrm>
-            <a:off x="2033534" y="9314293"/>
-            <a:ext cx="2449033" cy="261610"/>
+        </p:nvPicPr>
+        <p:blipFill>
+          <a:blip r:embed="rId2" cstate="print">
+            <a:extLst>
+              <a:ext uri="{28A0092B-C50C-407E-A947-70E740481C1C}">
+                <a14:useLocalDpi xmlns:a14="http://schemas.microsoft.com/office/drawing/2010/main" val="0"/>
+              </a:ext>
+            </a:extLst>
+          </a:blip>
+          <a:stretch>
+            <a:fillRect/>
+          </a:stretch>
+        </p:blipFill>
+        <p:spPr>
+          <a:xfrm>
+            <a:off x="4501564" y="9267750"/>
+            <a:ext cx="1884949" cy="324000"/>
           </a:xfrm>
           <a:prstGeom prst="rect">
             <a:avLst/>
           </a:prstGeom>
-          <a:noFill/>
-        </p:spPr>
-        <p:txBody>
-          <a:bodyPr wrap="square" rtlCol="0">
-            <a:spAutoFit/>
-          </a:bodyPr>
-          <a:lstStyle/>
-          <a:p>
-            <a:pPr algn="ctr"/>
-            <a:r>
-              <a:rPr lang="de-DE" sz="1100" dirty="0">
-                <a:hlinkClick r:id="rId2"/>
-              </a:rPr>
-              <a:t>https://www.htw-dresden.de/kiss-mint</a:t>
-            </a:r>
-            <a:endParaRPr lang="de-DE" sz="1100" dirty="0"/>
-          </a:p>
-        </p:txBody>
-      </p:sp>
+        </p:spPr>
+      </p:pic>
+      <p:pic>
+        <p:nvPicPr>
+          <p:cNvPr id="12" name="Grafik 11">
+            <a:extLst>
+              <a:ext uri="{FF2B5EF4-FFF2-40B4-BE49-F238E27FC236}">
+                <a16:creationId xmlns:a16="http://schemas.microsoft.com/office/drawing/2014/main" id="{85AD35CC-B1A2-4D0E-A428-5DDEB5EE9C29}"/>
+              </a:ext>
+            </a:extLst>
+          </p:cNvPr>
+          <p:cNvPicPr>
+            <a:picLocks noChangeAspect="1"/>
+          </p:cNvPicPr>
+          <p:nvPr userDrawn="1"/>
+        </p:nvPicPr>
+        <p:blipFill rotWithShape="1">
+          <a:blip r:embed="rId3" cstate="print">
+            <a:extLst>
+              <a:ext uri="{28A0092B-C50C-407E-A947-70E740481C1C}">
+                <a14:useLocalDpi xmlns:a14="http://schemas.microsoft.com/office/drawing/2010/main" val="0"/>
+              </a:ext>
+            </a:extLst>
+          </a:blip>
+          <a:srcRect t="15984" b="15885"/>
+          <a:stretch/>
+        </p:blipFill>
+        <p:spPr>
+          <a:xfrm>
+            <a:off x="471488" y="9224307"/>
+            <a:ext cx="1604044" cy="453441"/>
+          </a:xfrm>
+          <a:prstGeom prst="rect">
+            <a:avLst/>
+          </a:prstGeom>
+        </p:spPr>
+      </p:pic>
+      <p:pic>
+        <p:nvPicPr>
+          <p:cNvPr id="13" name="Grafik 12">
+            <a:extLst>
+              <a:ext uri="{FF2B5EF4-FFF2-40B4-BE49-F238E27FC236}">
+                <a16:creationId xmlns:a16="http://schemas.microsoft.com/office/drawing/2014/main" id="{7DB27AEC-3587-4860-8C88-8BE820B5468D}"/>
+              </a:ext>
+            </a:extLst>
+          </p:cNvPr>
+          <p:cNvPicPr>
+            <a:picLocks noChangeAspect="1"/>
+          </p:cNvPicPr>
+          <p:nvPr userDrawn="1"/>
+        </p:nvPicPr>
+        <p:blipFill>
+          <a:blip r:embed="rId4" cstate="print">
+            <a:extLst>
+              <a:ext uri="{28A0092B-C50C-407E-A947-70E740481C1C}">
+                <a14:useLocalDpi xmlns:a14="http://schemas.microsoft.com/office/drawing/2010/main" val="0"/>
+              </a:ext>
+            </a:extLst>
+          </a:blip>
+          <a:stretch>
+            <a:fillRect/>
+          </a:stretch>
+        </p:blipFill>
+        <p:spPr>
+          <a:xfrm>
+            <a:off x="2074069" y="9099550"/>
+            <a:ext cx="381000" cy="571500"/>
+          </a:xfrm>
+          <a:prstGeom prst="rect">
+            <a:avLst/>
+          </a:prstGeom>
+        </p:spPr>
+      </p:pic>
+      <p:pic>
+        <p:nvPicPr>
+          <p:cNvPr id="14" name="Grafik 13">
+            <a:extLst>
+              <a:ext uri="{FF2B5EF4-FFF2-40B4-BE49-F238E27FC236}">
+                <a16:creationId xmlns:a16="http://schemas.microsoft.com/office/drawing/2014/main" id="{04E2E321-EA85-4D66-88B0-6777970BBB35}"/>
+              </a:ext>
+            </a:extLst>
+          </p:cNvPr>
+          <p:cNvPicPr>
+            <a:picLocks noChangeAspect="1"/>
+          </p:cNvPicPr>
+          <p:nvPr userDrawn="1"/>
+        </p:nvPicPr>
+        <p:blipFill>
+          <a:blip r:embed="rId5" cstate="print">
+            <a:extLst>
+              <a:ext uri="{28A0092B-C50C-407E-A947-70E740481C1C}">
+                <a14:useLocalDpi xmlns:a14="http://schemas.microsoft.com/office/drawing/2010/main" val="0"/>
+              </a:ext>
+            </a:extLst>
+          </a:blip>
+          <a:stretch>
+            <a:fillRect/>
+          </a:stretch>
+        </p:blipFill>
+        <p:spPr>
+          <a:xfrm>
+            <a:off x="3590172" y="8960427"/>
+            <a:ext cx="911392" cy="911392"/>
+          </a:xfrm>
+          <a:prstGeom prst="rect">
+            <a:avLst/>
+          </a:prstGeom>
+        </p:spPr>
+      </p:pic>
     </p:spTree>
     <p:extLst>
       <p:ext uri="{BB962C8B-B14F-4D97-AF65-F5344CB8AC3E}">
@@ -2613,36 +2929,6 @@
           </a:fontRef>
         </p:style>
       </p:cxnSp>
-      <p:pic>
-        <p:nvPicPr>
-          <p:cNvPr id="18" name="Grafik 17"/>
-          <p:cNvPicPr>
-            <a:picLocks noChangeAspect="1"/>
-          </p:cNvPicPr>
-          <p:nvPr userDrawn="1"/>
-        </p:nvPicPr>
-        <p:blipFill>
-          <a:blip r:embed="rId2" cstate="print">
-            <a:extLst>
-              <a:ext uri="{28A0092B-C50C-407E-A947-70E740481C1C}">
-                <a14:useLocalDpi xmlns:a14="http://schemas.microsoft.com/office/drawing/2010/main" val="0"/>
-              </a:ext>
-            </a:extLst>
-          </a:blip>
-          <a:stretch>
-            <a:fillRect/>
-          </a:stretch>
-        </p:blipFill>
-        <p:spPr>
-          <a:xfrm>
-            <a:off x="4501564" y="9267750"/>
-            <a:ext cx="1884949" cy="324000"/>
-          </a:xfrm>
-          <a:prstGeom prst="rect">
-            <a:avLst/>
-          </a:prstGeom>
-        </p:spPr>
-      </p:pic>
       <p:sp>
         <p:nvSpPr>
           <p:cNvPr id="3" name="Rechteck 2"/>
@@ -2742,7 +3028,7 @@
           <p:nvPr userDrawn="1"/>
         </p:nvPicPr>
         <p:blipFill>
-          <a:blip r:embed="rId3">
+          <a:blip r:embed="rId2">
             <a:extLst>
               <a:ext uri="{28A0092B-C50C-407E-A947-70E740481C1C}">
                 <a14:useLocalDpi xmlns:a14="http://schemas.microsoft.com/office/drawing/2010/main" val="0"/>
@@ -2783,7 +3069,7 @@
           <p:nvPr userDrawn="1"/>
         </p:nvPicPr>
         <p:blipFill>
-          <a:blip r:embed="rId4">
+          <a:blip r:embed="rId3">
             <a:extLst>
               <a:ext uri="{28A0092B-C50C-407E-A947-70E740481C1C}">
                 <a14:useLocalDpi xmlns:a14="http://schemas.microsoft.com/office/drawing/2010/main" val="0"/>
@@ -2824,7 +3110,7 @@
           <p:nvPr userDrawn="1"/>
         </p:nvPicPr>
         <p:blipFill>
-          <a:blip r:embed="rId5">
+          <a:blip r:embed="rId4">
             <a:extLst>
               <a:ext uri="{28A0092B-C50C-407E-A947-70E740481C1C}">
                 <a14:useLocalDpi xmlns:a14="http://schemas.microsoft.com/office/drawing/2010/main" val="0"/>
@@ -2924,7 +3210,49 @@
       </p:sp>
       <p:pic>
         <p:nvPicPr>
-          <p:cNvPr id="19" name="Grafik 18"/>
+          <p:cNvPr id="15" name="Grafik 14">
+            <a:extLst>
+              <a:ext uri="{FF2B5EF4-FFF2-40B4-BE49-F238E27FC236}">
+                <a16:creationId xmlns:a16="http://schemas.microsoft.com/office/drawing/2014/main" id="{7483B71E-071B-4568-94D2-B32ADFFE68F8}"/>
+              </a:ext>
+            </a:extLst>
+          </p:cNvPr>
+          <p:cNvPicPr>
+            <a:picLocks noChangeAspect="1"/>
+          </p:cNvPicPr>
+          <p:nvPr userDrawn="1"/>
+        </p:nvPicPr>
+        <p:blipFill>
+          <a:blip r:embed="rId5" cstate="print">
+            <a:extLst>
+              <a:ext uri="{28A0092B-C50C-407E-A947-70E740481C1C}">
+                <a14:useLocalDpi xmlns:a14="http://schemas.microsoft.com/office/drawing/2010/main" val="0"/>
+              </a:ext>
+            </a:extLst>
+          </a:blip>
+          <a:stretch>
+            <a:fillRect/>
+          </a:stretch>
+        </p:blipFill>
+        <p:spPr>
+          <a:xfrm>
+            <a:off x="4501564" y="9267750"/>
+            <a:ext cx="1884949" cy="324000"/>
+          </a:xfrm>
+          <a:prstGeom prst="rect">
+            <a:avLst/>
+          </a:prstGeom>
+        </p:spPr>
+      </p:pic>
+      <p:pic>
+        <p:nvPicPr>
+          <p:cNvPr id="17" name="Grafik 16">
+            <a:extLst>
+              <a:ext uri="{FF2B5EF4-FFF2-40B4-BE49-F238E27FC236}">
+                <a16:creationId xmlns:a16="http://schemas.microsoft.com/office/drawing/2014/main" id="{47E1B1CD-132A-4B3E-8649-4950D8423095}"/>
+              </a:ext>
+            </a:extLst>
+          </p:cNvPr>
           <p:cNvPicPr>
             <a:picLocks noChangeAspect="1"/>
           </p:cNvPicPr>
@@ -2945,6 +3273,78 @@
           <a:xfrm>
             <a:off x="471488" y="9224307"/>
             <a:ext cx="1604044" cy="453441"/>
+          </a:xfrm>
+          <a:prstGeom prst="rect">
+            <a:avLst/>
+          </a:prstGeom>
+        </p:spPr>
+      </p:pic>
+      <p:pic>
+        <p:nvPicPr>
+          <p:cNvPr id="20" name="Grafik 19">
+            <a:extLst>
+              <a:ext uri="{FF2B5EF4-FFF2-40B4-BE49-F238E27FC236}">
+                <a16:creationId xmlns:a16="http://schemas.microsoft.com/office/drawing/2014/main" id="{548F5EA7-12B2-4AC3-8573-7EF1250C0A02}"/>
+              </a:ext>
+            </a:extLst>
+          </p:cNvPr>
+          <p:cNvPicPr>
+            <a:picLocks noChangeAspect="1"/>
+          </p:cNvPicPr>
+          <p:nvPr userDrawn="1"/>
+        </p:nvPicPr>
+        <p:blipFill>
+          <a:blip r:embed="rId7" cstate="print">
+            <a:extLst>
+              <a:ext uri="{28A0092B-C50C-407E-A947-70E740481C1C}">
+                <a14:useLocalDpi xmlns:a14="http://schemas.microsoft.com/office/drawing/2010/main" val="0"/>
+              </a:ext>
+            </a:extLst>
+          </a:blip>
+          <a:stretch>
+            <a:fillRect/>
+          </a:stretch>
+        </p:blipFill>
+        <p:spPr>
+          <a:xfrm>
+            <a:off x="2074069" y="9099550"/>
+            <a:ext cx="381000" cy="571500"/>
+          </a:xfrm>
+          <a:prstGeom prst="rect">
+            <a:avLst/>
+          </a:prstGeom>
+        </p:spPr>
+      </p:pic>
+      <p:pic>
+        <p:nvPicPr>
+          <p:cNvPr id="21" name="Grafik 20">
+            <a:extLst>
+              <a:ext uri="{FF2B5EF4-FFF2-40B4-BE49-F238E27FC236}">
+                <a16:creationId xmlns:a16="http://schemas.microsoft.com/office/drawing/2014/main" id="{0C69D544-E8A9-4184-9E37-6398DF184818}"/>
+              </a:ext>
+            </a:extLst>
+          </p:cNvPr>
+          <p:cNvPicPr>
+            <a:picLocks noChangeAspect="1"/>
+          </p:cNvPicPr>
+          <p:nvPr userDrawn="1"/>
+        </p:nvPicPr>
+        <p:blipFill>
+          <a:blip r:embed="rId8" cstate="print">
+            <a:extLst>
+              <a:ext uri="{28A0092B-C50C-407E-A947-70E740481C1C}">
+                <a14:useLocalDpi xmlns:a14="http://schemas.microsoft.com/office/drawing/2010/main" val="0"/>
+              </a:ext>
+            </a:extLst>
+          </a:blip>
+          <a:stretch>
+            <a:fillRect/>
+          </a:stretch>
+        </p:blipFill>
+        <p:spPr>
+          <a:xfrm>
+            <a:off x="3590172" y="8960427"/>
+            <a:ext cx="911392" cy="911392"/>
           </a:xfrm>
           <a:prstGeom prst="rect">
             <a:avLst/>
@@ -3031,7 +3431,7 @@
           <a:p>
             <a:fld id="{FC9269F9-6F79-4414-A84E-D81C6C443C37}" type="datetimeFigureOut">
               <a:rPr lang="de-DE" smtClean="0"/>
-              <a:t>06.12.2019</a:t>
+              <a:t>09.12.2019</a:t>
             </a:fld>
             <a:endParaRPr lang="de-DE"/>
           </a:p>
@@ -3207,6 +3607,149 @@
           </a:p>
         </p:txBody>
       </p:sp>
+      <p:pic>
+        <p:nvPicPr>
+          <p:cNvPr id="10" name="Grafik 9">
+            <a:extLst>
+              <a:ext uri="{FF2B5EF4-FFF2-40B4-BE49-F238E27FC236}">
+                <a16:creationId xmlns:a16="http://schemas.microsoft.com/office/drawing/2014/main" id="{E1E5B870-586B-4E14-9A3B-032DEC0BAB3F}"/>
+              </a:ext>
+            </a:extLst>
+          </p:cNvPr>
+          <p:cNvPicPr>
+            <a:picLocks noChangeAspect="1"/>
+          </p:cNvPicPr>
+          <p:nvPr userDrawn="1"/>
+        </p:nvPicPr>
+        <p:blipFill>
+          <a:blip r:embed="rId2" cstate="print">
+            <a:extLst>
+              <a:ext uri="{28A0092B-C50C-407E-A947-70E740481C1C}">
+                <a14:useLocalDpi xmlns:a14="http://schemas.microsoft.com/office/drawing/2010/main" val="0"/>
+              </a:ext>
+            </a:extLst>
+          </a:blip>
+          <a:stretch>
+            <a:fillRect/>
+          </a:stretch>
+        </p:blipFill>
+        <p:spPr>
+          <a:xfrm>
+            <a:off x="4501564" y="9267750"/>
+            <a:ext cx="1884949" cy="324000"/>
+          </a:xfrm>
+          <a:prstGeom prst="rect">
+            <a:avLst/>
+          </a:prstGeom>
+        </p:spPr>
+      </p:pic>
+      <p:pic>
+        <p:nvPicPr>
+          <p:cNvPr id="11" name="Grafik 10">
+            <a:extLst>
+              <a:ext uri="{FF2B5EF4-FFF2-40B4-BE49-F238E27FC236}">
+                <a16:creationId xmlns:a16="http://schemas.microsoft.com/office/drawing/2014/main" id="{270E261D-5067-4A31-A4A8-6F698F0E8684}"/>
+              </a:ext>
+            </a:extLst>
+          </p:cNvPr>
+          <p:cNvPicPr>
+            <a:picLocks noChangeAspect="1"/>
+          </p:cNvPicPr>
+          <p:nvPr userDrawn="1"/>
+        </p:nvPicPr>
+        <p:blipFill rotWithShape="1">
+          <a:blip r:embed="rId3" cstate="print">
+            <a:extLst>
+              <a:ext uri="{28A0092B-C50C-407E-A947-70E740481C1C}">
+                <a14:useLocalDpi xmlns:a14="http://schemas.microsoft.com/office/drawing/2010/main" val="0"/>
+              </a:ext>
+            </a:extLst>
+          </a:blip>
+          <a:srcRect t="15984" b="15885"/>
+          <a:stretch/>
+        </p:blipFill>
+        <p:spPr>
+          <a:xfrm>
+            <a:off x="471488" y="9224307"/>
+            <a:ext cx="1604044" cy="453441"/>
+          </a:xfrm>
+          <a:prstGeom prst="rect">
+            <a:avLst/>
+          </a:prstGeom>
+        </p:spPr>
+      </p:pic>
+      <p:pic>
+        <p:nvPicPr>
+          <p:cNvPr id="13" name="Grafik 12">
+            <a:extLst>
+              <a:ext uri="{FF2B5EF4-FFF2-40B4-BE49-F238E27FC236}">
+                <a16:creationId xmlns:a16="http://schemas.microsoft.com/office/drawing/2014/main" id="{D3444F02-2D43-422E-8626-475BE2850D4C}"/>
+              </a:ext>
+            </a:extLst>
+          </p:cNvPr>
+          <p:cNvPicPr>
+            <a:picLocks noChangeAspect="1"/>
+          </p:cNvPicPr>
+          <p:nvPr userDrawn="1"/>
+        </p:nvPicPr>
+        <p:blipFill>
+          <a:blip r:embed="rId4" cstate="print">
+            <a:extLst>
+              <a:ext uri="{28A0092B-C50C-407E-A947-70E740481C1C}">
+                <a14:useLocalDpi xmlns:a14="http://schemas.microsoft.com/office/drawing/2010/main" val="0"/>
+              </a:ext>
+            </a:extLst>
+          </a:blip>
+          <a:stretch>
+            <a:fillRect/>
+          </a:stretch>
+        </p:blipFill>
+        <p:spPr>
+          <a:xfrm>
+            <a:off x="2074069" y="9099550"/>
+            <a:ext cx="381000" cy="571500"/>
+          </a:xfrm>
+          <a:prstGeom prst="rect">
+            <a:avLst/>
+          </a:prstGeom>
+        </p:spPr>
+      </p:pic>
+      <p:pic>
+        <p:nvPicPr>
+          <p:cNvPr id="15" name="Grafik 14">
+            <a:extLst>
+              <a:ext uri="{FF2B5EF4-FFF2-40B4-BE49-F238E27FC236}">
+                <a16:creationId xmlns:a16="http://schemas.microsoft.com/office/drawing/2014/main" id="{E541BC0A-9EAC-4934-BFA2-997543B19511}"/>
+              </a:ext>
+            </a:extLst>
+          </p:cNvPr>
+          <p:cNvPicPr>
+            <a:picLocks noChangeAspect="1"/>
+          </p:cNvPicPr>
+          <p:nvPr userDrawn="1"/>
+        </p:nvPicPr>
+        <p:blipFill>
+          <a:blip r:embed="rId5" cstate="print">
+            <a:extLst>
+              <a:ext uri="{28A0092B-C50C-407E-A947-70E740481C1C}">
+                <a14:useLocalDpi xmlns:a14="http://schemas.microsoft.com/office/drawing/2010/main" val="0"/>
+              </a:ext>
+            </a:extLst>
+          </a:blip>
+          <a:stretch>
+            <a:fillRect/>
+          </a:stretch>
+        </p:blipFill>
+        <p:spPr>
+          <a:xfrm>
+            <a:off x="3590172" y="8960427"/>
+            <a:ext cx="911392" cy="911392"/>
+          </a:xfrm>
+          <a:prstGeom prst="rect">
+            <a:avLst/>
+          </a:prstGeom>
+        </p:spPr>
+      </p:pic>
     </p:spTree>
     <p:extLst>
       <p:ext uri="{BB962C8B-B14F-4D97-AF65-F5344CB8AC3E}">
@@ -3254,7 +3797,7 @@
           <a:p>
             <a:fld id="{FC9269F9-6F79-4414-A84E-D81C6C443C37}" type="datetimeFigureOut">
               <a:rPr lang="de-DE" smtClean="0"/>
-              <a:t>06.12.2019</a:t>
+              <a:t>09.12.2019</a:t>
             </a:fld>
             <a:endParaRPr lang="de-DE"/>
           </a:p>
@@ -3467,7 +4010,7 @@
           <a:p>
             <a:fld id="{FC9269F9-6F79-4414-A84E-D81C6C443C37}" type="datetimeFigureOut">
               <a:rPr lang="de-DE" smtClean="0"/>
-              <a:t>06.12.2019</a:t>
+              <a:t>09.12.2019</a:t>
             </a:fld>
             <a:endParaRPr lang="de-DE"/>
           </a:p>
@@ -3552,6 +4095,149 @@
           </a:p>
         </p:txBody>
       </p:sp>
+      <p:pic>
+        <p:nvPicPr>
+          <p:cNvPr id="7" name="Grafik 6">
+            <a:extLst>
+              <a:ext uri="{FF2B5EF4-FFF2-40B4-BE49-F238E27FC236}">
+                <a16:creationId xmlns:a16="http://schemas.microsoft.com/office/drawing/2014/main" id="{91F57E49-4C9C-4A38-9B70-551832976634}"/>
+              </a:ext>
+            </a:extLst>
+          </p:cNvPr>
+          <p:cNvPicPr>
+            <a:picLocks noChangeAspect="1"/>
+          </p:cNvPicPr>
+          <p:nvPr userDrawn="1"/>
+        </p:nvPicPr>
+        <p:blipFill>
+          <a:blip r:embed="rId10" cstate="print">
+            <a:extLst>
+              <a:ext uri="{28A0092B-C50C-407E-A947-70E740481C1C}">
+                <a14:useLocalDpi xmlns:a14="http://schemas.microsoft.com/office/drawing/2010/main" val="0"/>
+              </a:ext>
+            </a:extLst>
+          </a:blip>
+          <a:stretch>
+            <a:fillRect/>
+          </a:stretch>
+        </p:blipFill>
+        <p:spPr>
+          <a:xfrm>
+            <a:off x="4501564" y="9267750"/>
+            <a:ext cx="1884949" cy="324000"/>
+          </a:xfrm>
+          <a:prstGeom prst="rect">
+            <a:avLst/>
+          </a:prstGeom>
+        </p:spPr>
+      </p:pic>
+      <p:pic>
+        <p:nvPicPr>
+          <p:cNvPr id="8" name="Grafik 7">
+            <a:extLst>
+              <a:ext uri="{FF2B5EF4-FFF2-40B4-BE49-F238E27FC236}">
+                <a16:creationId xmlns:a16="http://schemas.microsoft.com/office/drawing/2014/main" id="{74E10643-F548-4AD2-8DF0-3620FDE7C1EB}"/>
+              </a:ext>
+            </a:extLst>
+          </p:cNvPr>
+          <p:cNvPicPr>
+            <a:picLocks noChangeAspect="1"/>
+          </p:cNvPicPr>
+          <p:nvPr userDrawn="1"/>
+        </p:nvPicPr>
+        <p:blipFill rotWithShape="1">
+          <a:blip r:embed="rId11" cstate="print">
+            <a:extLst>
+              <a:ext uri="{28A0092B-C50C-407E-A947-70E740481C1C}">
+                <a14:useLocalDpi xmlns:a14="http://schemas.microsoft.com/office/drawing/2010/main" val="0"/>
+              </a:ext>
+            </a:extLst>
+          </a:blip>
+          <a:srcRect t="15984" b="15885"/>
+          <a:stretch/>
+        </p:blipFill>
+        <p:spPr>
+          <a:xfrm>
+            <a:off x="471488" y="9224307"/>
+            <a:ext cx="1604044" cy="453441"/>
+          </a:xfrm>
+          <a:prstGeom prst="rect">
+            <a:avLst/>
+          </a:prstGeom>
+        </p:spPr>
+      </p:pic>
+      <p:pic>
+        <p:nvPicPr>
+          <p:cNvPr id="9" name="Grafik 8">
+            <a:extLst>
+              <a:ext uri="{FF2B5EF4-FFF2-40B4-BE49-F238E27FC236}">
+                <a16:creationId xmlns:a16="http://schemas.microsoft.com/office/drawing/2014/main" id="{6CB48C7B-1B16-4E48-B07F-8AE6771461B6}"/>
+              </a:ext>
+            </a:extLst>
+          </p:cNvPr>
+          <p:cNvPicPr>
+            <a:picLocks noChangeAspect="1"/>
+          </p:cNvPicPr>
+          <p:nvPr userDrawn="1"/>
+        </p:nvPicPr>
+        <p:blipFill>
+          <a:blip r:embed="rId12" cstate="print">
+            <a:extLst>
+              <a:ext uri="{28A0092B-C50C-407E-A947-70E740481C1C}">
+                <a14:useLocalDpi xmlns:a14="http://schemas.microsoft.com/office/drawing/2010/main" val="0"/>
+              </a:ext>
+            </a:extLst>
+          </a:blip>
+          <a:stretch>
+            <a:fillRect/>
+          </a:stretch>
+        </p:blipFill>
+        <p:spPr>
+          <a:xfrm>
+            <a:off x="2074069" y="9099550"/>
+            <a:ext cx="381000" cy="571500"/>
+          </a:xfrm>
+          <a:prstGeom prst="rect">
+            <a:avLst/>
+          </a:prstGeom>
+        </p:spPr>
+      </p:pic>
+      <p:pic>
+        <p:nvPicPr>
+          <p:cNvPr id="10" name="Grafik 9">
+            <a:extLst>
+              <a:ext uri="{FF2B5EF4-FFF2-40B4-BE49-F238E27FC236}">
+                <a16:creationId xmlns:a16="http://schemas.microsoft.com/office/drawing/2014/main" id="{E5739BFA-F6B0-4149-AA09-11904BFB4ECA}"/>
+              </a:ext>
+            </a:extLst>
+          </p:cNvPr>
+          <p:cNvPicPr>
+            <a:picLocks noChangeAspect="1"/>
+          </p:cNvPicPr>
+          <p:nvPr userDrawn="1"/>
+        </p:nvPicPr>
+        <p:blipFill>
+          <a:blip r:embed="rId13" cstate="print">
+            <a:extLst>
+              <a:ext uri="{28A0092B-C50C-407E-A947-70E740481C1C}">
+                <a14:useLocalDpi xmlns:a14="http://schemas.microsoft.com/office/drawing/2010/main" val="0"/>
+              </a:ext>
+            </a:extLst>
+          </a:blip>
+          <a:stretch>
+            <a:fillRect/>
+          </a:stretch>
+        </p:blipFill>
+        <p:spPr>
+          <a:xfrm>
+            <a:off x="3590172" y="8960427"/>
+            <a:ext cx="911392" cy="911392"/>
+          </a:xfrm>
+          <a:prstGeom prst="rect">
+            <a:avLst/>
+          </a:prstGeom>
+        </p:spPr>
+      </p:pic>
     </p:spTree>
     <p:extLst>
       <p:ext uri="{BB962C8B-B14F-4D97-AF65-F5344CB8AC3E}">

--- a/Hindernislauf/Hindernislauf.pptx
+++ b/Hindernislauf/Hindernislauf.pptx
@@ -201,7 +201,7 @@
           <a:p>
             <a:fld id="{DD7A25D8-F173-4133-85F8-CB962D678EB5}" type="datetimeFigureOut">
               <a:rPr lang="de-DE" smtClean="0"/>
-              <a:t>09.12.2019</a:t>
+              <a:t>21.02.2020</a:t>
             </a:fld>
             <a:endParaRPr lang="de-DE"/>
           </a:p>
@@ -599,7 +599,7 @@
           <a:p>
             <a:fld id="{FC9269F9-6F79-4414-A84E-D81C6C443C37}" type="datetimeFigureOut">
               <a:rPr lang="de-DE" smtClean="0"/>
-              <a:t>09.12.2019</a:t>
+              <a:t>21.02.2020</a:t>
             </a:fld>
             <a:endParaRPr lang="de-DE"/>
           </a:p>
@@ -1890,7 +1890,7 @@
           <a:p>
             <a:fld id="{FC9269F9-6F79-4414-A84E-D81C6C443C37}" type="datetimeFigureOut">
               <a:rPr lang="de-DE" smtClean="0"/>
-              <a:t>09.12.2019</a:t>
+              <a:t>21.02.2020</a:t>
             </a:fld>
             <a:endParaRPr lang="de-DE"/>
           </a:p>
@@ -2441,7 +2441,7 @@
           <a:p>
             <a:fld id="{FC9269F9-6F79-4414-A84E-D81C6C443C37}" type="datetimeFigureOut">
               <a:rPr lang="de-DE" smtClean="0"/>
-              <a:t>09.12.2019</a:t>
+              <a:t>21.02.2020</a:t>
             </a:fld>
             <a:endParaRPr lang="de-DE"/>
           </a:p>
@@ -3431,7 +3431,7 @@
           <a:p>
             <a:fld id="{FC9269F9-6F79-4414-A84E-D81C6C443C37}" type="datetimeFigureOut">
               <a:rPr lang="de-DE" smtClean="0"/>
-              <a:t>09.12.2019</a:t>
+              <a:t>21.02.2020</a:t>
             </a:fld>
             <a:endParaRPr lang="de-DE"/>
           </a:p>
@@ -3797,7 +3797,7 @@
           <a:p>
             <a:fld id="{FC9269F9-6F79-4414-A84E-D81C6C443C37}" type="datetimeFigureOut">
               <a:rPr lang="de-DE" smtClean="0"/>
-              <a:t>09.12.2019</a:t>
+              <a:t>21.02.2020</a:t>
             </a:fld>
             <a:endParaRPr lang="de-DE"/>
           </a:p>
@@ -4010,7 +4010,7 @@
           <a:p>
             <a:fld id="{FC9269F9-6F79-4414-A84E-D81C6C443C37}" type="datetimeFigureOut">
               <a:rPr lang="de-DE" smtClean="0"/>
-              <a:t>09.12.2019</a:t>
+              <a:t>21.02.2020</a:t>
             </a:fld>
             <a:endParaRPr lang="de-DE"/>
           </a:p>
@@ -4675,6 +4675,35 @@
           </a:stretch>
         </p:blipFill>
         <p:spPr/>
+      </p:pic>
+      <p:pic>
+        <p:nvPicPr>
+          <p:cNvPr id="7" name="Grafik 6">
+            <a:extLst>
+              <a:ext uri="{FF2B5EF4-FFF2-40B4-BE49-F238E27FC236}">
+                <a16:creationId xmlns:a16="http://schemas.microsoft.com/office/drawing/2014/main" id="{8EC31AA7-FB04-4328-86FA-9BC6E9327E41}"/>
+              </a:ext>
+            </a:extLst>
+          </p:cNvPr>
+          <p:cNvPicPr>
+            <a:picLocks noChangeAspect="1"/>
+          </p:cNvPicPr>
+          <p:nvPr/>
+        </p:nvPicPr>
+        <p:blipFill rotWithShape="1">
+          <a:blip r:embed="rId3"/>
+          <a:srcRect l="18568" t="14815" r="9949" b="3727"/>
+          <a:stretch/>
+        </p:blipFill>
+        <p:spPr>
+          <a:xfrm>
+            <a:off x="3084417" y="4457700"/>
+            <a:ext cx="862313" cy="840670"/>
+          </a:xfrm>
+          <a:prstGeom prst="rect">
+            <a:avLst/>
+          </a:prstGeom>
+        </p:spPr>
       </p:pic>
     </p:spTree>
     <p:extLst>
